--- a/slides/2026-metadataatisric.pptx
+++ b/slides/2026-metadataatisric.pptx
@@ -18,6 +18,7 @@
     <p:sldId id="266" r:id="rId12"/>
     <p:sldId id="267" r:id="rId13"/>
     <p:sldId id="268" r:id="rId14"/>
+    <p:sldId id="269" r:id="rId15"/>
   </p:sldIdLst>
   <p:sldSz cx="9144000" cy="5143500" type="screen16x9"/>
   <p:notesSz cx="6858000" cy="9144000"/>
@@ -3235,7 +3236,7 @@
             </a:pPr>
             <a:r>
               <a:rPr/>
-              <a:t>A set of tools to work with sidecar files</a:t>
+              <a:t>Embedded metadata or Sidecar</a:t>
             </a:r>
           </a:p>
         </p:txBody>
@@ -3257,53 +3258,36 @@
           <a:p>
             <a:pPr lvl="0"/>
             <a:r>
-              <a:rPr>
-                <a:hlinkClick r:id="rId2"/>
-              </a:rPr>
-              <a:t>pygeometa</a:t>
-            </a:r>
-            <a:r>
-              <a:rPr/>
-              <a:t> converts sidecar files between models (mcf, iso, dcat, schema.org)</a:t>
-            </a:r>
-          </a:p>
-          <a:p>
-            <a:pPr lvl="0"/>
-            <a:r>
-              <a:rPr>
-                <a:hlinkClick r:id="rId3"/>
-              </a:rPr>
-              <a:t>geodatacrawler</a:t>
-            </a:r>
-            <a:r>
-              <a:rPr/>
-              <a:t> crawls a (network) drive for sidecar files, as input for a catalogue</a:t>
-            </a:r>
-          </a:p>
-          <a:p>
-            <a:pPr lvl="0"/>
-            <a:r>
-              <a:rPr>
-                <a:hlinkClick r:id="rId4"/>
-              </a:rPr>
-              <a:t>MDME</a:t>
-            </a:r>
-            <a:r>
-              <a:rPr/>
-              <a:t> provides user friendly model driven metadata editing</a:t>
-            </a:r>
-          </a:p>
-          <a:p>
-            <a:pPr lvl="0"/>
-            <a:r>
-              <a:rPr>
-                <a:hlinkClick r:id="rId5"/>
-              </a:rPr>
-              <a:t>Git</a:t>
-            </a:r>
-            <a:r>
-              <a:rPr/>
-              <a:t> as a storage for sidecar files facilitates rich history and remote contributions</a:t>
+              <a:rPr/>
+              <a:t>Metadata is automatically embedded in model outputs</a:t>
+            </a:r>
+          </a:p>
+          <a:p>
+            <a:pPr lvl="0"/>
+            <a:r>
+              <a:rPr/>
+              <a:t>Or a sidecar metadata file is placed alongside a data file (readme.txt)</a:t>
+            </a:r>
+          </a:p>
+          <a:p>
+            <a:pPr lvl="0"/>
+            <a:r>
+              <a:rPr/>
+              <a:t>Which model to adopt?</a:t>
+            </a:r>
+          </a:p>
+          <a:p>
+            <a:pPr lvl="1"/>
+            <a:r>
+              <a:rPr/>
+              <a:t>Facilitated by the format (MS Excel, GeoTiff, GeoPackage)</a:t>
+            </a:r>
+          </a:p>
+          <a:p>
+            <a:pPr lvl="1"/>
+            <a:r>
+              <a:rPr/>
+              <a:t>Common in the community (iso19115, DCAT, Datacite, schema.org)</a:t>
             </a:r>
           </a:p>
         </p:txBody>
@@ -3350,7 +3334,7 @@
             </a:pPr>
             <a:r>
               <a:rPr/>
-              <a:t>Data model metadata</a:t>
+              <a:t>A set of tools to work with sidecar files</a:t>
             </a:r>
           </a:p>
         </p:txBody>
@@ -3372,36 +3356,53 @@
           <a:p>
             <a:pPr lvl="0"/>
             <a:r>
-              <a:rPr/>
-              <a:t>In soil sciences, a lot of observation data is collected</a:t>
-            </a:r>
-          </a:p>
-          <a:p>
-            <a:pPr lvl="0"/>
-            <a:r>
-              <a:rPr/>
-              <a:t>Observation data is 75% metadata and 25% data (where, what, when, who, how)</a:t>
-            </a:r>
-          </a:p>
-          <a:p>
-            <a:pPr lvl="0"/>
-            <a:r>
-              <a:rPr/>
-              <a:t>We endorse soil institutes to capture metadata as part of dataset metadata</a:t>
-            </a:r>
-          </a:p>
-          <a:p>
-            <a:pPr lvl="0"/>
-            <a:r>
-              <a:rPr/>
-              <a:t>The data model metadata is important information when harmonizing multuiple datasets</a:t>
-            </a:r>
-          </a:p>
-          <a:p>
-            <a:pPr lvl="0"/>
-            <a:r>
-              <a:rPr/>
-              <a:t>But also to filter datasets by measured property in a catalogue</a:t>
+              <a:rPr>
+                <a:hlinkClick r:id="rId2"/>
+              </a:rPr>
+              <a:t>pygeometa</a:t>
+            </a:r>
+            <a:r>
+              <a:rPr/>
+              <a:t> converts sidecar files between models (mcf, iso, dcat, schema.org)</a:t>
+            </a:r>
+          </a:p>
+          <a:p>
+            <a:pPr lvl="0"/>
+            <a:r>
+              <a:rPr>
+                <a:hlinkClick r:id="rId3"/>
+              </a:rPr>
+              <a:t>geodatacrawler</a:t>
+            </a:r>
+            <a:r>
+              <a:rPr/>
+              <a:t> crawls a (network) drive for sidecar files, as input for a catalogue</a:t>
+            </a:r>
+          </a:p>
+          <a:p>
+            <a:pPr lvl="0"/>
+            <a:r>
+              <a:rPr>
+                <a:hlinkClick r:id="rId4"/>
+              </a:rPr>
+              <a:t>MDME</a:t>
+            </a:r>
+            <a:r>
+              <a:rPr/>
+              <a:t> provides user friendly model driven metadata editing</a:t>
+            </a:r>
+          </a:p>
+          <a:p>
+            <a:pPr lvl="0"/>
+            <a:r>
+              <a:rPr>
+                <a:hlinkClick r:id="rId5"/>
+              </a:rPr>
+              <a:t>Git</a:t>
+            </a:r>
+            <a:r>
+              <a:rPr/>
+              <a:t> as a storage for sidecar files facilitates rich history and remote contributions</a:t>
             </a:r>
           </a:p>
         </p:txBody>
@@ -3448,7 +3449,7 @@
             </a:pPr>
             <a:r>
               <a:rPr/>
-              <a:t>CSVW approach for observation data</a:t>
+              <a:t>Data model metadata</a:t>
             </a:r>
           </a:p>
         </p:txBody>
@@ -3471,28 +3472,35 @@
             <a:pPr lvl="0"/>
             <a:r>
               <a:rPr/>
-              <a:t>in the Soilwise project we’re experimenting with users on annotating their observation data</a:t>
-            </a:r>
-          </a:p>
-          <a:p>
-            <a:pPr lvl="0"/>
-            <a:r>
-              <a:rPr/>
-              <a:t>CSVW is a standard of W3C to annotate CSV columns so the data can be converted to a knowledge graph</a:t>
-            </a:r>
-          </a:p>
-          <a:p>
-            <a:pPr lvl="0"/>
-            <a:r>
-              <a:rPr/>
-              <a:t>Average soil scientiests experience the CSVW syntax as complex, we’re setting up tools to facilitate the conversion</a:t>
-            </a:r>
-          </a:p>
-          <a:p>
-            <a:pPr lvl="0"/>
-            <a:r>
-              <a:rPr/>
-              <a:t>Other tools convert the Knowledge Graph data to GeoPackage</a:t>
+              <a:t>In soil sciences, a lot of observation data is collected</a:t>
+            </a:r>
+          </a:p>
+          <a:p>
+            <a:pPr lvl="0"/>
+            <a:r>
+              <a:rPr/>
+              <a:t>Observation data is 75% metadata and 25% data (where, what, when, who, how)</a:t>
+            </a:r>
+          </a:p>
+          <a:p>
+            <a:pPr lvl="0"/>
+            <a:r>
+              <a:rPr/>
+              <a:t>Soil institutes are endorsed to capture metadata as part of dataset metadata</a:t>
+            </a:r>
+          </a:p>
+          <a:p>
+            <a:pPr lvl="0"/>
+            <a:r>
+              <a:rPr/>
+              <a:t>The data model metadata is important information when harmonizing multiple datasets</a:t>
+            </a:r>
+          </a:p>
+          <a:p>
+            <a:pPr lvl="0"/>
+            <a:r>
+              <a:rPr/>
+              <a:t>But also to filter datasets by measured property in a catalogue</a:t>
             </a:r>
           </a:p>
         </p:txBody>
@@ -3539,6 +3547,97 @@
             </a:pPr>
             <a:r>
               <a:rPr/>
+              <a:t>CSVW approach for observation data</a:t>
+            </a:r>
+          </a:p>
+        </p:txBody>
+      </p:sp>
+      <p:sp>
+        <p:nvSpPr>
+          <p:cNvPr id="3" name="Content Placeholder 2"/>
+          <p:cNvSpPr>
+            <a:spLocks noGrp="1"/>
+          </p:cNvSpPr>
+          <p:nvPr>
+            <p:ph idx="1"/>
+          </p:nvPr>
+        </p:nvSpPr>
+        <p:spPr/>
+        <p:txBody>
+          <a:bodyPr/>
+          <a:lstStyle/>
+          <a:p>
+            <a:pPr lvl="0"/>
+            <a:r>
+              <a:rPr/>
+              <a:t>in the Soilwise project we’re experimenting with users on annotating their observation data</a:t>
+            </a:r>
+          </a:p>
+          <a:p>
+            <a:pPr lvl="0"/>
+            <a:r>
+              <a:rPr/>
+              <a:t>CSVW is a standard of W3C to annotate CSV columns so the data can be converted to a knowledge graph</a:t>
+            </a:r>
+          </a:p>
+          <a:p>
+            <a:pPr lvl="0"/>
+            <a:r>
+              <a:rPr/>
+              <a:t>Average soil scientiests experience the CSVW syntax as complex, we’re setting up tools to facilitate the conversion</a:t>
+            </a:r>
+          </a:p>
+          <a:p>
+            <a:pPr lvl="0"/>
+            <a:r>
+              <a:rPr/>
+              <a:t>Other tools convert the Knowledge Graph data to GeoPackage</a:t>
+            </a:r>
+          </a:p>
+        </p:txBody>
+      </p:sp>
+    </p:spTree>
+  </p:cSld>
+</p:sld>
+</file>
+
+<file path=ppt/slides/slide14.xml><?xml version="1.0" encoding="utf-8"?>
+<p:sld xmlns:a="http://schemas.openxmlformats.org/drawingml/2006/main" xmlns:r="http://schemas.openxmlformats.org/officeDocument/2006/relationships" xmlns:p="http://schemas.openxmlformats.org/presentationml/2006/main">
+  <p:cSld>
+    <p:spTree>
+      <p:nvGrpSpPr>
+        <p:cNvPr id="1" name=""/>
+        <p:cNvGrpSpPr/>
+        <p:nvPr/>
+      </p:nvGrpSpPr>
+      <p:grpSpPr>
+        <a:xfrm>
+          <a:off x="0" y="0"/>
+          <a:ext cx="0" cy="0"/>
+          <a:chOff x="0" y="0"/>
+          <a:chExt cx="0" cy="0"/>
+        </a:xfrm>
+      </p:grpSpPr>
+      <p:sp>
+        <p:nvSpPr>
+          <p:cNvPr id="2" name="Title 1"/>
+          <p:cNvSpPr>
+            <a:spLocks noGrp="1"/>
+          </p:cNvSpPr>
+          <p:nvPr>
+            <p:ph type="title"/>
+          </p:nvPr>
+        </p:nvSpPr>
+        <p:spPr/>
+        <p:txBody>
+          <a:bodyPr/>
+          <a:lstStyle/>
+          <a:p>
+            <a:pPr lvl="0" indent="0" marL="0">
+              <a:buNone/>
+            </a:pPr>
+            <a:r>
+              <a:rPr/>
               <a:t>Open challenges</a:t>
             </a:r>
           </a:p>
@@ -3570,6 +3669,13 @@
             <a:r>
               <a:rPr/>
               <a:t>How to use sidecar metadata when publishing data in repositories</a:t>
+            </a:r>
+          </a:p>
+          <a:p>
+            <a:pPr lvl="0"/>
+            <a:r>
+              <a:rPr/>
+              <a:t>Commonly accepted vocabularies to reference observed soil properties and observation procedures</a:t>
             </a:r>
           </a:p>
         </p:txBody>
@@ -3877,58 +3983,67 @@
             </a:pPr>
             <a:r>
               <a:rPr/>
-              <a:t>(meta)data flows at isric</a:t>
-            </a:r>
-          </a:p>
-        </p:txBody>
-      </p:sp>
-      <p:sp>
-        <p:nvSpPr>
-          <p:cNvPr id="3" name="Content Placeholder 2"/>
-          <p:cNvSpPr>
-            <a:spLocks noGrp="1"/>
-          </p:cNvSpPr>
-          <p:nvPr>
-            <p:ph idx="1"/>
-          </p:nvPr>
-        </p:nvSpPr>
-        <p:spPr/>
-        <p:txBody>
-          <a:bodyPr/>
-          <a:lstStyle/>
-          <a:p>
-            <a:pPr lvl="0"/>
-            <a:r>
-              <a:rPr/>
-              <a:t>Museum exhibits and collection management</a:t>
-            </a:r>
-          </a:p>
-          <a:p>
-            <a:pPr lvl="0"/>
-            <a:r>
-              <a:rPr/>
-              <a:t>Participation in research projects (consortia)</a:t>
-            </a:r>
-          </a:p>
-          <a:p>
-            <a:pPr lvl="0"/>
-            <a:r>
-              <a:rPr/>
-              <a:t>Global soil products</a:t>
-            </a:r>
-          </a:p>
-          <a:p>
-            <a:pPr lvl="0"/>
-            <a:r>
-              <a:rPr/>
-              <a:t>Capacity building at national soil insititutes</a:t>
-            </a:r>
-          </a:p>
-          <a:p>
-            <a:pPr lvl="0"/>
-            <a:r>
-              <a:rPr/>
-              <a:t>Meta studies on availability of works about a topic</a:t>
+              <a:t>Collection of reference profiles</a:t>
+            </a:r>
+          </a:p>
+        </p:txBody>
+      </p:sp>
+      <p:pic>
+        <p:nvPicPr>
+          <p:cNvPr descr="https://isric.euwest01.umbraco.io//media/dpbdg2ib/color-pot.jpg" id="0" name="Picture 1"/>
+          <p:cNvPicPr>
+            <a:picLocks noGrp="1" noChangeAspect="1"/>
+          </p:cNvPicPr>
+          <p:nvPr/>
+        </p:nvPicPr>
+        <p:blipFill>
+          <a:blip r:embed="rId2"/>
+          <a:stretch>
+            <a:fillRect/>
+          </a:stretch>
+        </p:blipFill>
+        <p:spPr bwMode="auto">
+          <a:xfrm>
+            <a:off x="2425700" y="1193800"/>
+            <a:ext cx="4279900" cy="2882900"/>
+          </a:xfrm>
+          <a:prstGeom prst="rect">
+            <a:avLst/>
+          </a:prstGeom>
+          <a:noFill/>
+          <a:ln w="9525">
+            <a:noFill/>
+            <a:headEnd/>
+            <a:tailEnd/>
+          </a:ln>
+        </p:spPr>
+      </p:pic>
+      <p:sp>
+        <p:nvSpPr>
+          <p:cNvPr id="1" name="TextBox 3"/>
+          <p:cNvSpPr txBox="1"/>
+          <p:nvPr/>
+        </p:nvSpPr>
+        <p:spPr>
+          <a:xfrm>
+            <a:off x="457200" y="4076700"/>
+            <a:ext cx="8229600" cy="508000"/>
+          </a:xfrm>
+          <a:prstGeom prst="rect">
+            <a:avLst/>
+          </a:prstGeom>
+          <a:noFill/>
+        </p:spPr>
+        <p:txBody>
+          <a:bodyPr/>
+          <a:lstStyle/>
+          <a:p>
+            <a:pPr lvl="0" indent="0" marL="0" algn="ctr">
+              <a:buNone/>
+            </a:pPr>
+            <a:r>
+              <a:rPr/>
+              <a:t>Samples of reference profiles</a:t>
             </a:r>
           </a:p>
         </p:txBody>
@@ -3975,7 +4090,7 @@
             </a:pPr>
             <a:r>
               <a:rPr/>
-              <a:t>ISRIC &amp; academia</a:t>
+              <a:t>(meta)data flows at isric</a:t>
             </a:r>
           </a:p>
         </p:txBody>
@@ -3998,21 +4113,35 @@
             <a:pPr lvl="0"/>
             <a:r>
               <a:rPr/>
-              <a:t>Foundation embedded in Wageningen University</a:t>
-            </a:r>
-          </a:p>
-          <a:p>
-            <a:pPr lvl="0"/>
-            <a:r>
-              <a:rPr/>
-              <a:t>Advance the soil sciences through research activities</a:t>
-            </a:r>
-          </a:p>
-          <a:p>
-            <a:pPr lvl="0"/>
-            <a:r>
-              <a:rPr/>
-              <a:t>Research deliverables are advertised in the academic domain through Citations and DOI</a:t>
+              <a:t>Museum exhibits and collection management</a:t>
+            </a:r>
+          </a:p>
+          <a:p>
+            <a:pPr lvl="0"/>
+            <a:r>
+              <a:rPr/>
+              <a:t>Participation in research projects (consortia)</a:t>
+            </a:r>
+          </a:p>
+          <a:p>
+            <a:pPr lvl="0"/>
+            <a:r>
+              <a:rPr/>
+              <a:t>Global soil products</a:t>
+            </a:r>
+          </a:p>
+          <a:p>
+            <a:pPr lvl="0"/>
+            <a:r>
+              <a:rPr/>
+              <a:t>Capacity building at national soil insititutes</a:t>
+            </a:r>
+          </a:p>
+          <a:p>
+            <a:pPr lvl="0"/>
+            <a:r>
+              <a:rPr/>
+              <a:t>Meta studies on availability of works about a topic</a:t>
             </a:r>
           </a:p>
         </p:txBody>
@@ -4059,7 +4188,7 @@
             </a:pPr>
             <a:r>
               <a:rPr/>
-              <a:t>ISRIC &amp; Open GeoSpatial Consortium</a:t>
+              <a:t>ISRIC &amp; academia</a:t>
             </a:r>
           </a:p>
         </p:txBody>
@@ -4082,21 +4211,21 @@
             <a:pPr lvl="0"/>
             <a:r>
               <a:rPr/>
-              <a:t>Spatial distribution of soils explains our interest in spatial standards</a:t>
-            </a:r>
-          </a:p>
-          <a:p>
-            <a:pPr lvl="0"/>
-            <a:r>
-              <a:rPr/>
-              <a:t>Standardised formats and protocols facilitate long term access to data</a:t>
-            </a:r>
-          </a:p>
-          <a:p>
-            <a:pPr lvl="0"/>
-            <a:r>
-              <a:rPr/>
-              <a:t>National soil institutes are exchanging soil data through OGC protocols</a:t>
+              <a:t>Foundation embedded in Wageningen University</a:t>
+            </a:r>
+          </a:p>
+          <a:p>
+            <a:pPr lvl="0"/>
+            <a:r>
+              <a:rPr/>
+              <a:t>Advance the soil sciences through research activities</a:t>
+            </a:r>
+          </a:p>
+          <a:p>
+            <a:pPr lvl="0"/>
+            <a:r>
+              <a:rPr/>
+              <a:t>Research deliverables are advertised in the academic domain through Citations and DOI</a:t>
             </a:r>
           </a:p>
         </p:txBody>
@@ -4143,7 +4272,7 @@
             </a:pPr>
             <a:r>
               <a:rPr/>
-              <a:t>ISRIC &amp; Open Source Software</a:t>
+              <a:t>ISRIC &amp; Open GeoSpatial Consortium</a:t>
             </a:r>
           </a:p>
         </p:txBody>
@@ -4166,42 +4295,21 @@
             <a:pPr lvl="0"/>
             <a:r>
               <a:rPr/>
-              <a:t>Tracability of research outputs is facilitated by Open Source Software</a:t>
-            </a:r>
-          </a:p>
-          <a:p>
-            <a:pPr lvl="0"/>
-            <a:r>
-              <a:rPr/>
-              <a:t>OSGeo tools are commonly OGC compliant, many innovations at OGC are driven by open source software</a:t>
-            </a:r>
-          </a:p>
-          <a:p>
-            <a:pPr lvl="0"/>
-            <a:r>
-              <a:rPr/>
-              <a:t>Open formats enable future backwards compatibility for today’s datasets</a:t>
-            </a:r>
-          </a:p>
-          <a:p>
-            <a:pPr lvl="0"/>
-            <a:r>
-              <a:rPr/>
-              <a:t>Sustainability of contributions to Open Source Software</a:t>
-            </a:r>
-          </a:p>
-          <a:p>
-            <a:pPr lvl="0"/>
-            <a:r>
-              <a:rPr/>
-              <a:t>Open Source software is often cost effective</a:t>
-            </a:r>
-          </a:p>
-          <a:p>
-            <a:pPr lvl="0"/>
-            <a:r>
-              <a:rPr/>
-              <a:t>R - GDAL - GRASS - QGIS - Mapserver - pycsw - TerriaJS</a:t>
+              <a:t>Spatial distribution of soils explains our interest in spatial standards</a:t>
+            </a:r>
+          </a:p>
+          <a:p>
+            <a:pPr lvl="0"/>
+            <a:r>
+              <a:rPr/>
+              <a:t>Standardised formats and protocols facilitate long term access to data</a:t>
+            </a:r>
+          </a:p>
+          <a:p>
+            <a:pPr lvl="0"/>
+            <a:r>
+              <a:rPr/>
+              <a:t>National soil institutes are exchanging soil data through OGC protocols</a:t>
             </a:r>
           </a:p>
         </p:txBody>
@@ -4248,7 +4356,7 @@
             </a:pPr>
             <a:r>
               <a:rPr/>
-              <a:t>Creation of Soil Maps</a:t>
+              <a:t>ISRIC &amp; Open Source Software</a:t>
             </a:r>
           </a:p>
         </p:txBody>
@@ -4271,21 +4379,42 @@
             <a:pPr lvl="0"/>
             <a:r>
               <a:rPr/>
-              <a:t>Prediction of Soil Property Distribution is a random forest model with many covariates (geology, hydrology, DEM, satelite imagery)</a:t>
-            </a:r>
-          </a:p>
-          <a:p>
-            <a:pPr lvl="0"/>
-            <a:r>
-              <a:rPr/>
-              <a:t>Data is organised and procuded in folders on a shared file system</a:t>
-            </a:r>
-          </a:p>
-          <a:p>
-            <a:pPr lvl="0"/>
-            <a:r>
-              <a:rPr/>
-              <a:t>Effective metadata management is crucial for reproducability</a:t>
+              <a:t>Tracability of research outputs is facilitated by Open Source Software</a:t>
+            </a:r>
+          </a:p>
+          <a:p>
+            <a:pPr lvl="0"/>
+            <a:r>
+              <a:rPr/>
+              <a:t>OSGeo tools are commonly OGC compliant, many innovations at OGC are driven by open source software</a:t>
+            </a:r>
+          </a:p>
+          <a:p>
+            <a:pPr lvl="0"/>
+            <a:r>
+              <a:rPr/>
+              <a:t>Open formats enable future backwards compatibility for today’s datasets</a:t>
+            </a:r>
+          </a:p>
+          <a:p>
+            <a:pPr lvl="0"/>
+            <a:r>
+              <a:rPr/>
+              <a:t>Sustainability of contributions to Open Source Software</a:t>
+            </a:r>
+          </a:p>
+          <a:p>
+            <a:pPr lvl="0"/>
+            <a:r>
+              <a:rPr/>
+              <a:t>Open Source software is often cost effective</a:t>
+            </a:r>
+          </a:p>
+          <a:p>
+            <a:pPr lvl="0"/>
+            <a:r>
+              <a:rPr/>
+              <a:t>R - GDAL - GRASS - QGIS - Mapserver - pycsw - TerriaJS</a:t>
             </a:r>
           </a:p>
         </p:txBody>
@@ -4332,7 +4461,7 @@
             </a:pPr>
             <a:r>
               <a:rPr/>
-              <a:t>Embedded metadata or Sidecar</a:t>
+              <a:t>Creation of Soil Maps</a:t>
             </a:r>
           </a:p>
         </p:txBody>
@@ -4355,21 +4484,21 @@
             <a:pPr lvl="0"/>
             <a:r>
               <a:rPr/>
-              <a:t>Metadata is automatically embedded in model outputs</a:t>
-            </a:r>
-          </a:p>
-          <a:p>
-            <a:pPr lvl="0"/>
-            <a:r>
-              <a:rPr/>
-              <a:t>Or a sidecar metadata file is placed alongside each data file (readme.txt)</a:t>
-            </a:r>
-          </a:p>
-          <a:p>
-            <a:pPr lvl="0"/>
-            <a:r>
-              <a:rPr/>
-              <a:t>Which model to adopt (MS Excel, GeoTiff, GeoPackage)</a:t>
+              <a:t>Soil Property Distribution is predicted by a random forest model on sampling data and covariates (geology, hydrology, satelite imagery)</a:t>
+            </a:r>
+          </a:p>
+          <a:p>
+            <a:pPr lvl="0"/>
+            <a:r>
+              <a:rPr/>
+              <a:t>Data is organised and produced in folders on a shared file system</a:t>
+            </a:r>
+          </a:p>
+          <a:p>
+            <a:pPr lvl="0"/>
+            <a:r>
+              <a:rPr/>
+              <a:t>Effective metadata management is crucial for reproducability (and attribution)</a:t>
             </a:r>
           </a:p>
         </p:txBody>

--- a/slides/2026-metadataatisric.pptx
+++ b/slides/2026-metadataatisric.pptx
@@ -19,6 +19,7 @@
     <p:sldId id="267" r:id="rId13"/>
     <p:sldId id="268" r:id="rId14"/>
     <p:sldId id="269" r:id="rId15"/>
+    <p:sldId id="270" r:id="rId16"/>
   </p:sldIdLst>
   <p:sldSz cx="9144000" cy="5143500" type="screen16x9"/>
   <p:notesSz cx="6858000" cy="9144000"/>
@@ -3676,6 +3677,53 @@
             <a:r>
               <a:rPr/>
               <a:t>Commonly accepted vocabularies to reference observed soil properties and observation procedures</a:t>
+            </a:r>
+          </a:p>
+        </p:txBody>
+      </p:sp>
+    </p:spTree>
+  </p:cSld>
+</p:sld>
+</file>
+
+<file path=ppt/slides/slide15.xml><?xml version="1.0" encoding="utf-8"?>
+<p:sld xmlns:a="http://schemas.openxmlformats.org/drawingml/2006/main" xmlns:r="http://schemas.openxmlformats.org/officeDocument/2006/relationships" xmlns:p="http://schemas.openxmlformats.org/presentationml/2006/main">
+  <p:cSld>
+    <p:spTree>
+      <p:nvGrpSpPr>
+        <p:cNvPr id="1" name=""/>
+        <p:cNvGrpSpPr/>
+        <p:nvPr/>
+      </p:nvGrpSpPr>
+      <p:grpSpPr>
+        <a:xfrm>
+          <a:off x="0" y="0"/>
+          <a:ext cx="0" cy="0"/>
+          <a:chOff x="0" y="0"/>
+          <a:chExt cx="0" cy="0"/>
+        </a:xfrm>
+      </p:grpSpPr>
+      <p:sp>
+        <p:nvSpPr>
+          <p:cNvPr id="2" name="Title 1"/>
+          <p:cNvSpPr>
+            <a:spLocks noGrp="1"/>
+          </p:cNvSpPr>
+          <p:nvPr>
+            <p:ph type="title"/>
+          </p:nvPr>
+        </p:nvSpPr>
+        <p:spPr/>
+        <p:txBody>
+          <a:bodyPr/>
+          <a:lstStyle/>
+          <a:p>
+            <a:pPr lvl="0" indent="0" marL="0">
+              <a:buNone/>
+            </a:pPr>
+            <a:r>
+              <a:rPr/>
+              <a:t>Questions / Comments?</a:t>
             </a:r>
           </a:p>
         </p:txBody>

--- a/slides/2026-metadataatisric.pptx
+++ b/slides/2026-metadataatisric.pptx
@@ -3793,7 +3793,14 @@
             <a:pPr lvl="0"/>
             <a:r>
               <a:rPr/>
-              <a:t>Foundation funded by Dutch Government to maintain a global collection of reference soil samples (</a:t>
+              <a:t>Foundation funded by Dutch Government on promoting soil awareness and advancing the use of soil information to help build a more sustainable future.</a:t>
+            </a:r>
+          </a:p>
+          <a:p>
+            <a:pPr lvl="0"/>
+            <a:r>
+              <a:rPr/>
+              <a:t>Maintain a global collection of reference soil samples (</a:t>
             </a:r>
             <a:r>
               <a:rPr>
@@ -3810,13 +3817,13 @@
             <a:pPr lvl="0"/>
             <a:r>
               <a:rPr/>
-              <a:t>Collect and harmonize soil observation data from around the globe (</a:t>
+              <a:t>Globally predict the distribution of soil properties (</a:t>
             </a:r>
             <a:r>
               <a:rPr>
                 <a:hlinkClick r:id="rId3"/>
               </a:rPr>
-              <a:t>WOSIS</a:t>
+              <a:t>Soilgrids</a:t>
             </a:r>
             <a:r>
               <a:rPr/>
@@ -3827,13 +3834,13 @@
             <a:pPr lvl="0"/>
             <a:r>
               <a:rPr/>
-              <a:t>Globally predict the distribution of soil properties (</a:t>
+              <a:t>Capacity building on soil data management at soil institutes around the globe (</a:t>
             </a:r>
             <a:r>
               <a:rPr>
                 <a:hlinkClick r:id="rId4"/>
               </a:rPr>
-              <a:t>Soilgrids</a:t>
+              <a:t>Academy</a:t>
             </a:r>
             <a:r>
               <a:rPr/>
@@ -3844,28 +3851,11 @@
             <a:pPr lvl="0"/>
             <a:r>
               <a:rPr/>
-              <a:t>Capacity building on soil data management at soil institutes around the globe (</a:t>
+              <a:t>Participate in </a:t>
             </a:r>
             <a:r>
               <a:rPr>
                 <a:hlinkClick r:id="rId5"/>
-              </a:rPr>
-              <a:t>Academy</a:t>
-            </a:r>
-            <a:r>
-              <a:rPr/>
-              <a:t>)</a:t>
-            </a:r>
-          </a:p>
-          <a:p>
-            <a:pPr lvl="0"/>
-            <a:r>
-              <a:rPr/>
-              <a:t>Participate in </a:t>
-            </a:r>
-            <a:r>
-              <a:rPr>
-                <a:hlinkClick r:id="rId6"/>
               </a:rPr>
               <a:t>research projects</a:t>
             </a:r>
@@ -3939,8 +3929,8 @@
         </p:blipFill>
         <p:spPr bwMode="auto">
           <a:xfrm>
-            <a:off x="2400300" y="1193800"/>
-            <a:ext cx="4330700" cy="2882900"/>
+            <a:off x="2413000" y="1193800"/>
+            <a:ext cx="4318000" cy="2882900"/>
           </a:xfrm>
           <a:prstGeom prst="rect">
             <a:avLst/>
